--- a/ppt 16-9/0216.沐主恩光.pptx
+++ b/ppt 16-9/0216.沐主恩光.pptx
@@ -129,7 +129,7 @@
           <p:cNvPr id="2" name="标题 1">
             <a:extLst>
               <a:ext uri="{FF2B5EF4-FFF2-40B4-BE49-F238E27FC236}">
-                <a16:creationId xmlns:a16="http://schemas.microsoft.com/office/drawing/2014/main" id="{553D5168-4C6D-1209-F6E9-263CA93A8BE6}"/>
+                <a16:creationId xmlns:a16="http://schemas.microsoft.com/office/drawing/2014/main" id="{D6884DE5-09E4-83B6-24BF-7360DB1C2152}"/>
               </a:ext>
             </a:extLst>
           </p:cNvPr>
@@ -166,7 +166,7 @@
           <p:cNvPr id="3" name="副标题 2">
             <a:extLst>
               <a:ext uri="{FF2B5EF4-FFF2-40B4-BE49-F238E27FC236}">
-                <a16:creationId xmlns:a16="http://schemas.microsoft.com/office/drawing/2014/main" id="{C75EF639-9C0A-DED2-08F5-8BFFA77977AD}"/>
+                <a16:creationId xmlns:a16="http://schemas.microsoft.com/office/drawing/2014/main" id="{49D60DC4-7981-E52A-97FC-1B0919B8BE53}"/>
               </a:ext>
             </a:extLst>
           </p:cNvPr>
@@ -236,7 +236,7 @@
           <p:cNvPr id="4" name="日期占位符 3">
             <a:extLst>
               <a:ext uri="{FF2B5EF4-FFF2-40B4-BE49-F238E27FC236}">
-                <a16:creationId xmlns:a16="http://schemas.microsoft.com/office/drawing/2014/main" id="{CF985AC4-EE22-CDE5-6882-9D23270134E4}"/>
+                <a16:creationId xmlns:a16="http://schemas.microsoft.com/office/drawing/2014/main" id="{2F1C6F7C-BD9C-4D9C-B0AC-3F1B83D2DD6A}"/>
               </a:ext>
             </a:extLst>
           </p:cNvPr>
@@ -252,7 +252,7 @@
           <a:bodyPr/>
           <a:lstStyle/>
           <a:p>
-            <a:fld id="{2329045D-C513-41FE-BA27-484C007EEABD}" type="datetimeFigureOut">
+            <a:fld id="{80DE1005-10FB-4D25-851F-46C8C1498C94}" type="datetimeFigureOut">
               <a:rPr lang="zh-CN" altLang="en-US" smtClean="0"/>
               <a:t>2024/3/10</a:t>
             </a:fld>
@@ -265,7 +265,7 @@
           <p:cNvPr id="5" name="页脚占位符 4">
             <a:extLst>
               <a:ext uri="{FF2B5EF4-FFF2-40B4-BE49-F238E27FC236}">
-                <a16:creationId xmlns:a16="http://schemas.microsoft.com/office/drawing/2014/main" id="{BA93D321-2599-4D88-BA42-0DE6A062421D}"/>
+                <a16:creationId xmlns:a16="http://schemas.microsoft.com/office/drawing/2014/main" id="{D397BC5F-B32E-E363-A4B2-9BE38B60EB2F}"/>
               </a:ext>
             </a:extLst>
           </p:cNvPr>
@@ -290,7 +290,7 @@
           <p:cNvPr id="6" name="灯片编号占位符 5">
             <a:extLst>
               <a:ext uri="{FF2B5EF4-FFF2-40B4-BE49-F238E27FC236}">
-                <a16:creationId xmlns:a16="http://schemas.microsoft.com/office/drawing/2014/main" id="{6D30586C-AA47-F2B2-20B2-B980470A1FE3}"/>
+                <a16:creationId xmlns:a16="http://schemas.microsoft.com/office/drawing/2014/main" id="{6AF9CF02-A289-EB02-74B0-1D41526394C5}"/>
               </a:ext>
             </a:extLst>
           </p:cNvPr>
@@ -306,7 +306,7 @@
           <a:bodyPr/>
           <a:lstStyle/>
           <a:p>
-            <a:fld id="{BF1F11AF-75A8-409B-8F58-F9E39EE3DB42}" type="slidenum">
+            <a:fld id="{AAD8DE7D-4853-4DC7-981F-1BB892E60515}" type="slidenum">
               <a:rPr lang="zh-CN" altLang="en-US" smtClean="0"/>
               <a:t>‹#›</a:t>
             </a:fld>
@@ -317,7 +317,7 @@
     </p:spTree>
     <p:extLst>
       <p:ext uri="{BB962C8B-B14F-4D97-AF65-F5344CB8AC3E}">
-        <p14:creationId xmlns:p14="http://schemas.microsoft.com/office/powerpoint/2010/main" val="2605435896"/>
+        <p14:creationId xmlns:p14="http://schemas.microsoft.com/office/powerpoint/2010/main" val="714189381"/>
       </p:ext>
     </p:extLst>
   </p:cSld>
@@ -349,7 +349,7 @@
           <p:cNvPr id="2" name="标题 1">
             <a:extLst>
               <a:ext uri="{FF2B5EF4-FFF2-40B4-BE49-F238E27FC236}">
-                <a16:creationId xmlns:a16="http://schemas.microsoft.com/office/drawing/2014/main" id="{A9197AE6-8CE9-FD62-9486-810C1A7E77EC}"/>
+                <a16:creationId xmlns:a16="http://schemas.microsoft.com/office/drawing/2014/main" id="{B463F989-6305-E2E2-A02B-AE3D1174A957}"/>
               </a:ext>
             </a:extLst>
           </p:cNvPr>
@@ -377,7 +377,7 @@
           <p:cNvPr id="3" name="竖排文字占位符 2">
             <a:extLst>
               <a:ext uri="{FF2B5EF4-FFF2-40B4-BE49-F238E27FC236}">
-                <a16:creationId xmlns:a16="http://schemas.microsoft.com/office/drawing/2014/main" id="{FEA3D0A6-5363-FB05-5112-A4A3CDB4FA94}"/>
+                <a16:creationId xmlns:a16="http://schemas.microsoft.com/office/drawing/2014/main" id="{A7486A34-B859-AE2E-0750-54FD99A6165B}"/>
               </a:ext>
             </a:extLst>
           </p:cNvPr>
@@ -434,7 +434,7 @@
           <p:cNvPr id="4" name="日期占位符 3">
             <a:extLst>
               <a:ext uri="{FF2B5EF4-FFF2-40B4-BE49-F238E27FC236}">
-                <a16:creationId xmlns:a16="http://schemas.microsoft.com/office/drawing/2014/main" id="{007D2513-B0E5-5DD7-0A8D-5B7254ED6849}"/>
+                <a16:creationId xmlns:a16="http://schemas.microsoft.com/office/drawing/2014/main" id="{DF6BB8CF-BC71-3130-D758-2743EE5F897B}"/>
               </a:ext>
             </a:extLst>
           </p:cNvPr>
@@ -450,7 +450,7 @@
           <a:bodyPr/>
           <a:lstStyle/>
           <a:p>
-            <a:fld id="{2329045D-C513-41FE-BA27-484C007EEABD}" type="datetimeFigureOut">
+            <a:fld id="{80DE1005-10FB-4D25-851F-46C8C1498C94}" type="datetimeFigureOut">
               <a:rPr lang="zh-CN" altLang="en-US" smtClean="0"/>
               <a:t>2024/3/10</a:t>
             </a:fld>
@@ -463,7 +463,7 @@
           <p:cNvPr id="5" name="页脚占位符 4">
             <a:extLst>
               <a:ext uri="{FF2B5EF4-FFF2-40B4-BE49-F238E27FC236}">
-                <a16:creationId xmlns:a16="http://schemas.microsoft.com/office/drawing/2014/main" id="{9939C1C4-5556-7DAA-763C-EFB3FB4E0D1C}"/>
+                <a16:creationId xmlns:a16="http://schemas.microsoft.com/office/drawing/2014/main" id="{3B8505BC-A7B8-AB4B-6E23-155B2B30BE67}"/>
               </a:ext>
             </a:extLst>
           </p:cNvPr>
@@ -488,7 +488,7 @@
           <p:cNvPr id="6" name="灯片编号占位符 5">
             <a:extLst>
               <a:ext uri="{FF2B5EF4-FFF2-40B4-BE49-F238E27FC236}">
-                <a16:creationId xmlns:a16="http://schemas.microsoft.com/office/drawing/2014/main" id="{C9025B5E-3A2A-355B-51BA-1BB89A9FC546}"/>
+                <a16:creationId xmlns:a16="http://schemas.microsoft.com/office/drawing/2014/main" id="{E832601D-8E71-7D30-C8CB-43B99E5F16D7}"/>
               </a:ext>
             </a:extLst>
           </p:cNvPr>
@@ -504,7 +504,7 @@
           <a:bodyPr/>
           <a:lstStyle/>
           <a:p>
-            <a:fld id="{BF1F11AF-75A8-409B-8F58-F9E39EE3DB42}" type="slidenum">
+            <a:fld id="{AAD8DE7D-4853-4DC7-981F-1BB892E60515}" type="slidenum">
               <a:rPr lang="zh-CN" altLang="en-US" smtClean="0"/>
               <a:t>‹#›</a:t>
             </a:fld>
@@ -515,7 +515,7 @@
     </p:spTree>
     <p:extLst>
       <p:ext uri="{BB962C8B-B14F-4D97-AF65-F5344CB8AC3E}">
-        <p14:creationId xmlns:p14="http://schemas.microsoft.com/office/powerpoint/2010/main" val="838968978"/>
+        <p14:creationId xmlns:p14="http://schemas.microsoft.com/office/powerpoint/2010/main" val="3656237969"/>
       </p:ext>
     </p:extLst>
   </p:cSld>
@@ -547,7 +547,7 @@
           <p:cNvPr id="2" name="竖排标题 1">
             <a:extLst>
               <a:ext uri="{FF2B5EF4-FFF2-40B4-BE49-F238E27FC236}">
-                <a16:creationId xmlns:a16="http://schemas.microsoft.com/office/drawing/2014/main" id="{86827D7F-8072-F73A-3DC9-DA91E920615D}"/>
+                <a16:creationId xmlns:a16="http://schemas.microsoft.com/office/drawing/2014/main" id="{D0DFA753-A773-3066-4A63-7EF9C09ECDF8}"/>
               </a:ext>
             </a:extLst>
           </p:cNvPr>
@@ -580,7 +580,7 @@
           <p:cNvPr id="3" name="竖排文字占位符 2">
             <a:extLst>
               <a:ext uri="{FF2B5EF4-FFF2-40B4-BE49-F238E27FC236}">
-                <a16:creationId xmlns:a16="http://schemas.microsoft.com/office/drawing/2014/main" id="{BC833C54-03C0-276E-BE5E-49D42BA4184C}"/>
+                <a16:creationId xmlns:a16="http://schemas.microsoft.com/office/drawing/2014/main" id="{88A7226A-B346-7165-A550-726EF2B27482}"/>
               </a:ext>
             </a:extLst>
           </p:cNvPr>
@@ -642,7 +642,7 @@
           <p:cNvPr id="4" name="日期占位符 3">
             <a:extLst>
               <a:ext uri="{FF2B5EF4-FFF2-40B4-BE49-F238E27FC236}">
-                <a16:creationId xmlns:a16="http://schemas.microsoft.com/office/drawing/2014/main" id="{D1B4E3C1-C6B9-12FF-CA26-6FAAB0C03802}"/>
+                <a16:creationId xmlns:a16="http://schemas.microsoft.com/office/drawing/2014/main" id="{0ED77C99-5679-9E24-782B-9911B5037FB7}"/>
               </a:ext>
             </a:extLst>
           </p:cNvPr>
@@ -658,7 +658,7 @@
           <a:bodyPr/>
           <a:lstStyle/>
           <a:p>
-            <a:fld id="{2329045D-C513-41FE-BA27-484C007EEABD}" type="datetimeFigureOut">
+            <a:fld id="{80DE1005-10FB-4D25-851F-46C8C1498C94}" type="datetimeFigureOut">
               <a:rPr lang="zh-CN" altLang="en-US" smtClean="0"/>
               <a:t>2024/3/10</a:t>
             </a:fld>
@@ -671,7 +671,7 @@
           <p:cNvPr id="5" name="页脚占位符 4">
             <a:extLst>
               <a:ext uri="{FF2B5EF4-FFF2-40B4-BE49-F238E27FC236}">
-                <a16:creationId xmlns:a16="http://schemas.microsoft.com/office/drawing/2014/main" id="{A8486B10-B763-1AE8-31E1-AF70CF3BB22E}"/>
+                <a16:creationId xmlns:a16="http://schemas.microsoft.com/office/drawing/2014/main" id="{8BFA958D-BA5F-3F44-9B0B-B02FB1447F98}"/>
               </a:ext>
             </a:extLst>
           </p:cNvPr>
@@ -696,7 +696,7 @@
           <p:cNvPr id="6" name="灯片编号占位符 5">
             <a:extLst>
               <a:ext uri="{FF2B5EF4-FFF2-40B4-BE49-F238E27FC236}">
-                <a16:creationId xmlns:a16="http://schemas.microsoft.com/office/drawing/2014/main" id="{3627472F-F2ED-8CF9-18E9-24D9200E3390}"/>
+                <a16:creationId xmlns:a16="http://schemas.microsoft.com/office/drawing/2014/main" id="{4890B984-5C38-E736-F9C1-1D8AE011FDE0}"/>
               </a:ext>
             </a:extLst>
           </p:cNvPr>
@@ -712,7 +712,7 @@
           <a:bodyPr/>
           <a:lstStyle/>
           <a:p>
-            <a:fld id="{BF1F11AF-75A8-409B-8F58-F9E39EE3DB42}" type="slidenum">
+            <a:fld id="{AAD8DE7D-4853-4DC7-981F-1BB892E60515}" type="slidenum">
               <a:rPr lang="zh-CN" altLang="en-US" smtClean="0"/>
               <a:t>‹#›</a:t>
             </a:fld>
@@ -723,7 +723,7 @@
     </p:spTree>
     <p:extLst>
       <p:ext uri="{BB962C8B-B14F-4D97-AF65-F5344CB8AC3E}">
-        <p14:creationId xmlns:p14="http://schemas.microsoft.com/office/powerpoint/2010/main" val="332881661"/>
+        <p14:creationId xmlns:p14="http://schemas.microsoft.com/office/powerpoint/2010/main" val="852105511"/>
       </p:ext>
     </p:extLst>
   </p:cSld>
@@ -755,7 +755,7 @@
           <p:cNvPr id="2" name="标题 1">
             <a:extLst>
               <a:ext uri="{FF2B5EF4-FFF2-40B4-BE49-F238E27FC236}">
-                <a16:creationId xmlns:a16="http://schemas.microsoft.com/office/drawing/2014/main" id="{68FF67DE-BFA1-03A2-9600-1D3FB4186B3B}"/>
+                <a16:creationId xmlns:a16="http://schemas.microsoft.com/office/drawing/2014/main" id="{44BAD757-4310-B3D8-B75C-E9859D81A66F}"/>
               </a:ext>
             </a:extLst>
           </p:cNvPr>
@@ -783,7 +783,7 @@
           <p:cNvPr id="3" name="内容占位符 2">
             <a:extLst>
               <a:ext uri="{FF2B5EF4-FFF2-40B4-BE49-F238E27FC236}">
-                <a16:creationId xmlns:a16="http://schemas.microsoft.com/office/drawing/2014/main" id="{C5D2AE6B-A14C-3709-97CC-6E368B663521}"/>
+                <a16:creationId xmlns:a16="http://schemas.microsoft.com/office/drawing/2014/main" id="{6EB811D7-3479-6856-F603-9A6458F26BF2}"/>
               </a:ext>
             </a:extLst>
           </p:cNvPr>
@@ -840,7 +840,7 @@
           <p:cNvPr id="4" name="日期占位符 3">
             <a:extLst>
               <a:ext uri="{FF2B5EF4-FFF2-40B4-BE49-F238E27FC236}">
-                <a16:creationId xmlns:a16="http://schemas.microsoft.com/office/drawing/2014/main" id="{62F54595-BD72-EDAF-03D7-CC8CDF3EF692}"/>
+                <a16:creationId xmlns:a16="http://schemas.microsoft.com/office/drawing/2014/main" id="{5E4B6BBB-D175-958E-FFF3-790DC9076C09}"/>
               </a:ext>
             </a:extLst>
           </p:cNvPr>
@@ -856,7 +856,7 @@
           <a:bodyPr/>
           <a:lstStyle/>
           <a:p>
-            <a:fld id="{2329045D-C513-41FE-BA27-484C007EEABD}" type="datetimeFigureOut">
+            <a:fld id="{80DE1005-10FB-4D25-851F-46C8C1498C94}" type="datetimeFigureOut">
               <a:rPr lang="zh-CN" altLang="en-US" smtClean="0"/>
               <a:t>2024/3/10</a:t>
             </a:fld>
@@ -869,7 +869,7 @@
           <p:cNvPr id="5" name="页脚占位符 4">
             <a:extLst>
               <a:ext uri="{FF2B5EF4-FFF2-40B4-BE49-F238E27FC236}">
-                <a16:creationId xmlns:a16="http://schemas.microsoft.com/office/drawing/2014/main" id="{8B125A44-C4E9-D987-2483-AC09F6F3D412}"/>
+                <a16:creationId xmlns:a16="http://schemas.microsoft.com/office/drawing/2014/main" id="{9F2B919C-5082-F5A7-BA21-87B62A9BA669}"/>
               </a:ext>
             </a:extLst>
           </p:cNvPr>
@@ -894,7 +894,7 @@
           <p:cNvPr id="6" name="灯片编号占位符 5">
             <a:extLst>
               <a:ext uri="{FF2B5EF4-FFF2-40B4-BE49-F238E27FC236}">
-                <a16:creationId xmlns:a16="http://schemas.microsoft.com/office/drawing/2014/main" id="{11C68A60-3311-8137-9752-9DF26EC6EA60}"/>
+                <a16:creationId xmlns:a16="http://schemas.microsoft.com/office/drawing/2014/main" id="{C5E7973F-D5CD-0A03-D3DE-01C3E8BC98AD}"/>
               </a:ext>
             </a:extLst>
           </p:cNvPr>
@@ -910,7 +910,7 @@
           <a:bodyPr/>
           <a:lstStyle/>
           <a:p>
-            <a:fld id="{BF1F11AF-75A8-409B-8F58-F9E39EE3DB42}" type="slidenum">
+            <a:fld id="{AAD8DE7D-4853-4DC7-981F-1BB892E60515}" type="slidenum">
               <a:rPr lang="zh-CN" altLang="en-US" smtClean="0"/>
               <a:t>‹#›</a:t>
             </a:fld>
@@ -921,7 +921,7 @@
     </p:spTree>
     <p:extLst>
       <p:ext uri="{BB962C8B-B14F-4D97-AF65-F5344CB8AC3E}">
-        <p14:creationId xmlns:p14="http://schemas.microsoft.com/office/powerpoint/2010/main" val="1880588670"/>
+        <p14:creationId xmlns:p14="http://schemas.microsoft.com/office/powerpoint/2010/main" val="383998134"/>
       </p:ext>
     </p:extLst>
   </p:cSld>
@@ -953,7 +953,7 @@
           <p:cNvPr id="2" name="标题 1">
             <a:extLst>
               <a:ext uri="{FF2B5EF4-FFF2-40B4-BE49-F238E27FC236}">
-                <a16:creationId xmlns:a16="http://schemas.microsoft.com/office/drawing/2014/main" id="{A6D53560-3C22-0716-C74F-3E14F1AD313E}"/>
+                <a16:creationId xmlns:a16="http://schemas.microsoft.com/office/drawing/2014/main" id="{24E2417A-B808-06AB-7D32-2CECDDC99044}"/>
               </a:ext>
             </a:extLst>
           </p:cNvPr>
@@ -990,7 +990,7 @@
           <p:cNvPr id="3" name="文本占位符 2">
             <a:extLst>
               <a:ext uri="{FF2B5EF4-FFF2-40B4-BE49-F238E27FC236}">
-                <a16:creationId xmlns:a16="http://schemas.microsoft.com/office/drawing/2014/main" id="{229291FB-1897-7A0D-2626-FB2CEA62E601}"/>
+                <a16:creationId xmlns:a16="http://schemas.microsoft.com/office/drawing/2014/main" id="{4C40D908-1328-52EC-0DB3-C3D4F74CC374}"/>
               </a:ext>
             </a:extLst>
           </p:cNvPr>
@@ -1115,7 +1115,7 @@
           <p:cNvPr id="4" name="日期占位符 3">
             <a:extLst>
               <a:ext uri="{FF2B5EF4-FFF2-40B4-BE49-F238E27FC236}">
-                <a16:creationId xmlns:a16="http://schemas.microsoft.com/office/drawing/2014/main" id="{D902C64B-B1BD-F396-C43B-3E8CD0974B1A}"/>
+                <a16:creationId xmlns:a16="http://schemas.microsoft.com/office/drawing/2014/main" id="{4541E9D8-CBAA-86CE-1350-A91B6D39E92A}"/>
               </a:ext>
             </a:extLst>
           </p:cNvPr>
@@ -1131,7 +1131,7 @@
           <a:bodyPr/>
           <a:lstStyle/>
           <a:p>
-            <a:fld id="{2329045D-C513-41FE-BA27-484C007EEABD}" type="datetimeFigureOut">
+            <a:fld id="{80DE1005-10FB-4D25-851F-46C8C1498C94}" type="datetimeFigureOut">
               <a:rPr lang="zh-CN" altLang="en-US" smtClean="0"/>
               <a:t>2024/3/10</a:t>
             </a:fld>
@@ -1144,7 +1144,7 @@
           <p:cNvPr id="5" name="页脚占位符 4">
             <a:extLst>
               <a:ext uri="{FF2B5EF4-FFF2-40B4-BE49-F238E27FC236}">
-                <a16:creationId xmlns:a16="http://schemas.microsoft.com/office/drawing/2014/main" id="{254874FC-44F8-C9B6-EFA0-B0D910F9C549}"/>
+                <a16:creationId xmlns:a16="http://schemas.microsoft.com/office/drawing/2014/main" id="{85D71108-A8BE-749C-0CFB-30E3C5472329}"/>
               </a:ext>
             </a:extLst>
           </p:cNvPr>
@@ -1169,7 +1169,7 @@
           <p:cNvPr id="6" name="灯片编号占位符 5">
             <a:extLst>
               <a:ext uri="{FF2B5EF4-FFF2-40B4-BE49-F238E27FC236}">
-                <a16:creationId xmlns:a16="http://schemas.microsoft.com/office/drawing/2014/main" id="{218F31A8-DCE5-4D48-16F4-7AF403EE5188}"/>
+                <a16:creationId xmlns:a16="http://schemas.microsoft.com/office/drawing/2014/main" id="{9D12C9C5-1983-2743-C149-129268D88097}"/>
               </a:ext>
             </a:extLst>
           </p:cNvPr>
@@ -1185,7 +1185,7 @@
           <a:bodyPr/>
           <a:lstStyle/>
           <a:p>
-            <a:fld id="{BF1F11AF-75A8-409B-8F58-F9E39EE3DB42}" type="slidenum">
+            <a:fld id="{AAD8DE7D-4853-4DC7-981F-1BB892E60515}" type="slidenum">
               <a:rPr lang="zh-CN" altLang="en-US" smtClean="0"/>
               <a:t>‹#›</a:t>
             </a:fld>
@@ -1196,7 +1196,7 @@
     </p:spTree>
     <p:extLst>
       <p:ext uri="{BB962C8B-B14F-4D97-AF65-F5344CB8AC3E}">
-        <p14:creationId xmlns:p14="http://schemas.microsoft.com/office/powerpoint/2010/main" val="2894559430"/>
+        <p14:creationId xmlns:p14="http://schemas.microsoft.com/office/powerpoint/2010/main" val="2989604559"/>
       </p:ext>
     </p:extLst>
   </p:cSld>
@@ -1228,7 +1228,7 @@
           <p:cNvPr id="2" name="标题 1">
             <a:extLst>
               <a:ext uri="{FF2B5EF4-FFF2-40B4-BE49-F238E27FC236}">
-                <a16:creationId xmlns:a16="http://schemas.microsoft.com/office/drawing/2014/main" id="{A3C80701-495D-BACC-B595-71882B2F846E}"/>
+                <a16:creationId xmlns:a16="http://schemas.microsoft.com/office/drawing/2014/main" id="{1BF9AA69-052A-2EFC-E459-2BBCDBEB404A}"/>
               </a:ext>
             </a:extLst>
           </p:cNvPr>
@@ -1256,7 +1256,7 @@
           <p:cNvPr id="3" name="内容占位符 2">
             <a:extLst>
               <a:ext uri="{FF2B5EF4-FFF2-40B4-BE49-F238E27FC236}">
-                <a16:creationId xmlns:a16="http://schemas.microsoft.com/office/drawing/2014/main" id="{71812547-4E30-2F5A-BEB0-07EAD7179A43}"/>
+                <a16:creationId xmlns:a16="http://schemas.microsoft.com/office/drawing/2014/main" id="{191AA763-B04E-6972-7F26-74A640E82619}"/>
               </a:ext>
             </a:extLst>
           </p:cNvPr>
@@ -1318,7 +1318,7 @@
           <p:cNvPr id="4" name="内容占位符 3">
             <a:extLst>
               <a:ext uri="{FF2B5EF4-FFF2-40B4-BE49-F238E27FC236}">
-                <a16:creationId xmlns:a16="http://schemas.microsoft.com/office/drawing/2014/main" id="{499C011A-EE4A-5908-E352-B25A090FF004}"/>
+                <a16:creationId xmlns:a16="http://schemas.microsoft.com/office/drawing/2014/main" id="{028AC0B5-0E49-6E10-9A6E-09965DBDC74C}"/>
               </a:ext>
             </a:extLst>
           </p:cNvPr>
@@ -1380,7 +1380,7 @@
           <p:cNvPr id="5" name="日期占位符 4">
             <a:extLst>
               <a:ext uri="{FF2B5EF4-FFF2-40B4-BE49-F238E27FC236}">
-                <a16:creationId xmlns:a16="http://schemas.microsoft.com/office/drawing/2014/main" id="{BEDB095B-807C-61FE-CE93-651977161FCD}"/>
+                <a16:creationId xmlns:a16="http://schemas.microsoft.com/office/drawing/2014/main" id="{65623229-8DC8-8E4A-3533-676F3B2B8EED}"/>
               </a:ext>
             </a:extLst>
           </p:cNvPr>
@@ -1396,7 +1396,7 @@
           <a:bodyPr/>
           <a:lstStyle/>
           <a:p>
-            <a:fld id="{2329045D-C513-41FE-BA27-484C007EEABD}" type="datetimeFigureOut">
+            <a:fld id="{80DE1005-10FB-4D25-851F-46C8C1498C94}" type="datetimeFigureOut">
               <a:rPr lang="zh-CN" altLang="en-US" smtClean="0"/>
               <a:t>2024/3/10</a:t>
             </a:fld>
@@ -1409,7 +1409,7 @@
           <p:cNvPr id="6" name="页脚占位符 5">
             <a:extLst>
               <a:ext uri="{FF2B5EF4-FFF2-40B4-BE49-F238E27FC236}">
-                <a16:creationId xmlns:a16="http://schemas.microsoft.com/office/drawing/2014/main" id="{86C48E78-F0EC-E6AE-4D7B-EFCEC65EFC3D}"/>
+                <a16:creationId xmlns:a16="http://schemas.microsoft.com/office/drawing/2014/main" id="{0FFBED8A-4E23-F5BC-04B6-DA7049B23668}"/>
               </a:ext>
             </a:extLst>
           </p:cNvPr>
@@ -1434,7 +1434,7 @@
           <p:cNvPr id="7" name="灯片编号占位符 6">
             <a:extLst>
               <a:ext uri="{FF2B5EF4-FFF2-40B4-BE49-F238E27FC236}">
-                <a16:creationId xmlns:a16="http://schemas.microsoft.com/office/drawing/2014/main" id="{0A870F6E-0DC5-2BB7-A152-2992C4FBFD1C}"/>
+                <a16:creationId xmlns:a16="http://schemas.microsoft.com/office/drawing/2014/main" id="{DBA47322-555B-1676-35B6-9F3F7E04A1BC}"/>
               </a:ext>
             </a:extLst>
           </p:cNvPr>
@@ -1450,7 +1450,7 @@
           <a:bodyPr/>
           <a:lstStyle/>
           <a:p>
-            <a:fld id="{BF1F11AF-75A8-409B-8F58-F9E39EE3DB42}" type="slidenum">
+            <a:fld id="{AAD8DE7D-4853-4DC7-981F-1BB892E60515}" type="slidenum">
               <a:rPr lang="zh-CN" altLang="en-US" smtClean="0"/>
               <a:t>‹#›</a:t>
             </a:fld>
@@ -1461,7 +1461,7 @@
     </p:spTree>
     <p:extLst>
       <p:ext uri="{BB962C8B-B14F-4D97-AF65-F5344CB8AC3E}">
-        <p14:creationId xmlns:p14="http://schemas.microsoft.com/office/powerpoint/2010/main" val="2150597348"/>
+        <p14:creationId xmlns:p14="http://schemas.microsoft.com/office/powerpoint/2010/main" val="2833654902"/>
       </p:ext>
     </p:extLst>
   </p:cSld>
@@ -1493,7 +1493,7 @@
           <p:cNvPr id="2" name="标题 1">
             <a:extLst>
               <a:ext uri="{FF2B5EF4-FFF2-40B4-BE49-F238E27FC236}">
-                <a16:creationId xmlns:a16="http://schemas.microsoft.com/office/drawing/2014/main" id="{ED61E28C-B92D-B07B-409D-A3C8022B6E94}"/>
+                <a16:creationId xmlns:a16="http://schemas.microsoft.com/office/drawing/2014/main" id="{C1903FB0-15BB-B0F4-5B00-A601657E2170}"/>
               </a:ext>
             </a:extLst>
           </p:cNvPr>
@@ -1526,7 +1526,7 @@
           <p:cNvPr id="3" name="文本占位符 2">
             <a:extLst>
               <a:ext uri="{FF2B5EF4-FFF2-40B4-BE49-F238E27FC236}">
-                <a16:creationId xmlns:a16="http://schemas.microsoft.com/office/drawing/2014/main" id="{BDC84D91-5715-DAA7-0E39-AADFB21FA636}"/>
+                <a16:creationId xmlns:a16="http://schemas.microsoft.com/office/drawing/2014/main" id="{CDC9B641-898D-3595-3628-46C9C3F437CA}"/>
               </a:ext>
             </a:extLst>
           </p:cNvPr>
@@ -1597,7 +1597,7 @@
           <p:cNvPr id="4" name="内容占位符 3">
             <a:extLst>
               <a:ext uri="{FF2B5EF4-FFF2-40B4-BE49-F238E27FC236}">
-                <a16:creationId xmlns:a16="http://schemas.microsoft.com/office/drawing/2014/main" id="{43CA21EE-8FE9-1138-B3A4-86CB3D36E162}"/>
+                <a16:creationId xmlns:a16="http://schemas.microsoft.com/office/drawing/2014/main" id="{E8A71EFC-BF5B-064C-55C3-87858BFD9C52}"/>
               </a:ext>
             </a:extLst>
           </p:cNvPr>
@@ -1659,7 +1659,7 @@
           <p:cNvPr id="5" name="文本占位符 4">
             <a:extLst>
               <a:ext uri="{FF2B5EF4-FFF2-40B4-BE49-F238E27FC236}">
-                <a16:creationId xmlns:a16="http://schemas.microsoft.com/office/drawing/2014/main" id="{0B807222-12FD-B57C-6B69-2E81A03E1A3D}"/>
+                <a16:creationId xmlns:a16="http://schemas.microsoft.com/office/drawing/2014/main" id="{D6DBD3A1-FFE0-ECBE-CBDA-8CE74012969F}"/>
               </a:ext>
             </a:extLst>
           </p:cNvPr>
@@ -1730,7 +1730,7 @@
           <p:cNvPr id="6" name="内容占位符 5">
             <a:extLst>
               <a:ext uri="{FF2B5EF4-FFF2-40B4-BE49-F238E27FC236}">
-                <a16:creationId xmlns:a16="http://schemas.microsoft.com/office/drawing/2014/main" id="{CDED9076-33AB-BE36-92A0-BA084C737B1C}"/>
+                <a16:creationId xmlns:a16="http://schemas.microsoft.com/office/drawing/2014/main" id="{6C5DF966-AA7B-CAA4-107C-6EE6C0B7A15B}"/>
               </a:ext>
             </a:extLst>
           </p:cNvPr>
@@ -1792,7 +1792,7 @@
           <p:cNvPr id="7" name="日期占位符 6">
             <a:extLst>
               <a:ext uri="{FF2B5EF4-FFF2-40B4-BE49-F238E27FC236}">
-                <a16:creationId xmlns:a16="http://schemas.microsoft.com/office/drawing/2014/main" id="{9DFE1A02-CBB6-FE4F-158C-7DCF2D8F2557}"/>
+                <a16:creationId xmlns:a16="http://schemas.microsoft.com/office/drawing/2014/main" id="{4A908B6F-2099-0C4B-8959-1E0D83A16243}"/>
               </a:ext>
             </a:extLst>
           </p:cNvPr>
@@ -1808,7 +1808,7 @@
           <a:bodyPr/>
           <a:lstStyle/>
           <a:p>
-            <a:fld id="{2329045D-C513-41FE-BA27-484C007EEABD}" type="datetimeFigureOut">
+            <a:fld id="{80DE1005-10FB-4D25-851F-46C8C1498C94}" type="datetimeFigureOut">
               <a:rPr lang="zh-CN" altLang="en-US" smtClean="0"/>
               <a:t>2024/3/10</a:t>
             </a:fld>
@@ -1821,7 +1821,7 @@
           <p:cNvPr id="8" name="页脚占位符 7">
             <a:extLst>
               <a:ext uri="{FF2B5EF4-FFF2-40B4-BE49-F238E27FC236}">
-                <a16:creationId xmlns:a16="http://schemas.microsoft.com/office/drawing/2014/main" id="{4BEE36CB-08D9-278A-3913-C74643C1BEAB}"/>
+                <a16:creationId xmlns:a16="http://schemas.microsoft.com/office/drawing/2014/main" id="{4E2A0BA0-5E9C-87AD-F2D4-0362EC0775C8}"/>
               </a:ext>
             </a:extLst>
           </p:cNvPr>
@@ -1846,7 +1846,7 @@
           <p:cNvPr id="9" name="灯片编号占位符 8">
             <a:extLst>
               <a:ext uri="{FF2B5EF4-FFF2-40B4-BE49-F238E27FC236}">
-                <a16:creationId xmlns:a16="http://schemas.microsoft.com/office/drawing/2014/main" id="{1E46A445-3F99-3075-FDD1-8651DEFD4BB6}"/>
+                <a16:creationId xmlns:a16="http://schemas.microsoft.com/office/drawing/2014/main" id="{E99787C1-8A81-DD6B-1C74-2F972FF4D6E8}"/>
               </a:ext>
             </a:extLst>
           </p:cNvPr>
@@ -1862,7 +1862,7 @@
           <a:bodyPr/>
           <a:lstStyle/>
           <a:p>
-            <a:fld id="{BF1F11AF-75A8-409B-8F58-F9E39EE3DB42}" type="slidenum">
+            <a:fld id="{AAD8DE7D-4853-4DC7-981F-1BB892E60515}" type="slidenum">
               <a:rPr lang="zh-CN" altLang="en-US" smtClean="0"/>
               <a:t>‹#›</a:t>
             </a:fld>
@@ -1873,7 +1873,7 @@
     </p:spTree>
     <p:extLst>
       <p:ext uri="{BB962C8B-B14F-4D97-AF65-F5344CB8AC3E}">
-        <p14:creationId xmlns:p14="http://schemas.microsoft.com/office/powerpoint/2010/main" val="210895231"/>
+        <p14:creationId xmlns:p14="http://schemas.microsoft.com/office/powerpoint/2010/main" val="647755087"/>
       </p:ext>
     </p:extLst>
   </p:cSld>
@@ -1905,7 +1905,7 @@
           <p:cNvPr id="2" name="标题 1">
             <a:extLst>
               <a:ext uri="{FF2B5EF4-FFF2-40B4-BE49-F238E27FC236}">
-                <a16:creationId xmlns:a16="http://schemas.microsoft.com/office/drawing/2014/main" id="{BD88D8F2-4447-CE0F-AAF4-D1C635FBE1D8}"/>
+                <a16:creationId xmlns:a16="http://schemas.microsoft.com/office/drawing/2014/main" id="{C75B833D-6BA7-E5F9-F741-C9D961706898}"/>
               </a:ext>
             </a:extLst>
           </p:cNvPr>
@@ -1933,7 +1933,7 @@
           <p:cNvPr id="3" name="日期占位符 2">
             <a:extLst>
               <a:ext uri="{FF2B5EF4-FFF2-40B4-BE49-F238E27FC236}">
-                <a16:creationId xmlns:a16="http://schemas.microsoft.com/office/drawing/2014/main" id="{BF1E941A-AA88-B96A-C8A0-EF63AB68566C}"/>
+                <a16:creationId xmlns:a16="http://schemas.microsoft.com/office/drawing/2014/main" id="{CF1D0420-A228-BE2D-7A75-2E9958BD8466}"/>
               </a:ext>
             </a:extLst>
           </p:cNvPr>
@@ -1949,7 +1949,7 @@
           <a:bodyPr/>
           <a:lstStyle/>
           <a:p>
-            <a:fld id="{2329045D-C513-41FE-BA27-484C007EEABD}" type="datetimeFigureOut">
+            <a:fld id="{80DE1005-10FB-4D25-851F-46C8C1498C94}" type="datetimeFigureOut">
               <a:rPr lang="zh-CN" altLang="en-US" smtClean="0"/>
               <a:t>2024/3/10</a:t>
             </a:fld>
@@ -1962,7 +1962,7 @@
           <p:cNvPr id="4" name="页脚占位符 3">
             <a:extLst>
               <a:ext uri="{FF2B5EF4-FFF2-40B4-BE49-F238E27FC236}">
-                <a16:creationId xmlns:a16="http://schemas.microsoft.com/office/drawing/2014/main" id="{A3FBCD94-8DD3-34EE-1D43-5BEFD2B0ECAB}"/>
+                <a16:creationId xmlns:a16="http://schemas.microsoft.com/office/drawing/2014/main" id="{AB3F4A43-6665-C6DA-F4E1-21C9740E72F3}"/>
               </a:ext>
             </a:extLst>
           </p:cNvPr>
@@ -1987,7 +1987,7 @@
           <p:cNvPr id="5" name="灯片编号占位符 4">
             <a:extLst>
               <a:ext uri="{FF2B5EF4-FFF2-40B4-BE49-F238E27FC236}">
-                <a16:creationId xmlns:a16="http://schemas.microsoft.com/office/drawing/2014/main" id="{07D28050-8A7D-AEA1-8FC6-A9209FF16C0A}"/>
+                <a16:creationId xmlns:a16="http://schemas.microsoft.com/office/drawing/2014/main" id="{DCA7E8A1-ED72-EEF8-69DA-EEE0F0CD13CE}"/>
               </a:ext>
             </a:extLst>
           </p:cNvPr>
@@ -2003,7 +2003,7 @@
           <a:bodyPr/>
           <a:lstStyle/>
           <a:p>
-            <a:fld id="{BF1F11AF-75A8-409B-8F58-F9E39EE3DB42}" type="slidenum">
+            <a:fld id="{AAD8DE7D-4853-4DC7-981F-1BB892E60515}" type="slidenum">
               <a:rPr lang="zh-CN" altLang="en-US" smtClean="0"/>
               <a:t>‹#›</a:t>
             </a:fld>
@@ -2014,7 +2014,7 @@
     </p:spTree>
     <p:extLst>
       <p:ext uri="{BB962C8B-B14F-4D97-AF65-F5344CB8AC3E}">
-        <p14:creationId xmlns:p14="http://schemas.microsoft.com/office/powerpoint/2010/main" val="2298140797"/>
+        <p14:creationId xmlns:p14="http://schemas.microsoft.com/office/powerpoint/2010/main" val="110863166"/>
       </p:ext>
     </p:extLst>
   </p:cSld>
@@ -2046,7 +2046,7 @@
           <p:cNvPr id="2" name="日期占位符 1">
             <a:extLst>
               <a:ext uri="{FF2B5EF4-FFF2-40B4-BE49-F238E27FC236}">
-                <a16:creationId xmlns:a16="http://schemas.microsoft.com/office/drawing/2014/main" id="{17881199-C4B2-D43A-BF21-37A5D8A30F38}"/>
+                <a16:creationId xmlns:a16="http://schemas.microsoft.com/office/drawing/2014/main" id="{1250BD0B-7307-9DA6-7D47-0F95133565B2}"/>
               </a:ext>
             </a:extLst>
           </p:cNvPr>
@@ -2062,7 +2062,7 @@
           <a:bodyPr/>
           <a:lstStyle/>
           <a:p>
-            <a:fld id="{2329045D-C513-41FE-BA27-484C007EEABD}" type="datetimeFigureOut">
+            <a:fld id="{80DE1005-10FB-4D25-851F-46C8C1498C94}" type="datetimeFigureOut">
               <a:rPr lang="zh-CN" altLang="en-US" smtClean="0"/>
               <a:t>2024/3/10</a:t>
             </a:fld>
@@ -2075,7 +2075,7 @@
           <p:cNvPr id="3" name="页脚占位符 2">
             <a:extLst>
               <a:ext uri="{FF2B5EF4-FFF2-40B4-BE49-F238E27FC236}">
-                <a16:creationId xmlns:a16="http://schemas.microsoft.com/office/drawing/2014/main" id="{352C551B-68E7-A6AB-029F-A6D135DAC006}"/>
+                <a16:creationId xmlns:a16="http://schemas.microsoft.com/office/drawing/2014/main" id="{AE12D5C3-7743-2338-D973-1407EE7C8F83}"/>
               </a:ext>
             </a:extLst>
           </p:cNvPr>
@@ -2100,7 +2100,7 @@
           <p:cNvPr id="4" name="灯片编号占位符 3">
             <a:extLst>
               <a:ext uri="{FF2B5EF4-FFF2-40B4-BE49-F238E27FC236}">
-                <a16:creationId xmlns:a16="http://schemas.microsoft.com/office/drawing/2014/main" id="{56B74472-030D-7477-FB54-FD6A137891DE}"/>
+                <a16:creationId xmlns:a16="http://schemas.microsoft.com/office/drawing/2014/main" id="{97B4AA6F-0572-E7E0-5C6F-5594B94015C5}"/>
               </a:ext>
             </a:extLst>
           </p:cNvPr>
@@ -2116,7 +2116,7 @@
           <a:bodyPr/>
           <a:lstStyle/>
           <a:p>
-            <a:fld id="{BF1F11AF-75A8-409B-8F58-F9E39EE3DB42}" type="slidenum">
+            <a:fld id="{AAD8DE7D-4853-4DC7-981F-1BB892E60515}" type="slidenum">
               <a:rPr lang="zh-CN" altLang="en-US" smtClean="0"/>
               <a:t>‹#›</a:t>
             </a:fld>
@@ -2127,7 +2127,7 @@
     </p:spTree>
     <p:extLst>
       <p:ext uri="{BB962C8B-B14F-4D97-AF65-F5344CB8AC3E}">
-        <p14:creationId xmlns:p14="http://schemas.microsoft.com/office/powerpoint/2010/main" val="1596845517"/>
+        <p14:creationId xmlns:p14="http://schemas.microsoft.com/office/powerpoint/2010/main" val="1439969449"/>
       </p:ext>
     </p:extLst>
   </p:cSld>
@@ -2159,7 +2159,7 @@
           <p:cNvPr id="2" name="标题 1">
             <a:extLst>
               <a:ext uri="{FF2B5EF4-FFF2-40B4-BE49-F238E27FC236}">
-                <a16:creationId xmlns:a16="http://schemas.microsoft.com/office/drawing/2014/main" id="{5B494426-8427-CDD7-63BE-11119F5C6236}"/>
+                <a16:creationId xmlns:a16="http://schemas.microsoft.com/office/drawing/2014/main" id="{11A402EB-CA51-7C22-5CEE-06A639D1F2F0}"/>
               </a:ext>
             </a:extLst>
           </p:cNvPr>
@@ -2196,7 +2196,7 @@
           <p:cNvPr id="3" name="内容占位符 2">
             <a:extLst>
               <a:ext uri="{FF2B5EF4-FFF2-40B4-BE49-F238E27FC236}">
-                <a16:creationId xmlns:a16="http://schemas.microsoft.com/office/drawing/2014/main" id="{A2675625-BA4A-B1B8-77A8-D5093DE4D443}"/>
+                <a16:creationId xmlns:a16="http://schemas.microsoft.com/office/drawing/2014/main" id="{2E82F83D-F84B-0FCC-8145-6C0C8AE20112}"/>
               </a:ext>
             </a:extLst>
           </p:cNvPr>
@@ -2286,7 +2286,7 @@
           <p:cNvPr id="4" name="文本占位符 3">
             <a:extLst>
               <a:ext uri="{FF2B5EF4-FFF2-40B4-BE49-F238E27FC236}">
-                <a16:creationId xmlns:a16="http://schemas.microsoft.com/office/drawing/2014/main" id="{BF386141-9F78-3A08-6122-4321C6D8BFFF}"/>
+                <a16:creationId xmlns:a16="http://schemas.microsoft.com/office/drawing/2014/main" id="{07872E44-4D5C-49C2-462E-5D6D92D9FBEB}"/>
               </a:ext>
             </a:extLst>
           </p:cNvPr>
@@ -2357,7 +2357,7 @@
           <p:cNvPr id="5" name="日期占位符 4">
             <a:extLst>
               <a:ext uri="{FF2B5EF4-FFF2-40B4-BE49-F238E27FC236}">
-                <a16:creationId xmlns:a16="http://schemas.microsoft.com/office/drawing/2014/main" id="{B97F91EC-C4CB-154B-43CE-2080D29C213E}"/>
+                <a16:creationId xmlns:a16="http://schemas.microsoft.com/office/drawing/2014/main" id="{3F512910-A6C5-5F1A-32EE-40E7BDF06C78}"/>
               </a:ext>
             </a:extLst>
           </p:cNvPr>
@@ -2373,7 +2373,7 @@
           <a:bodyPr/>
           <a:lstStyle/>
           <a:p>
-            <a:fld id="{2329045D-C513-41FE-BA27-484C007EEABD}" type="datetimeFigureOut">
+            <a:fld id="{80DE1005-10FB-4D25-851F-46C8C1498C94}" type="datetimeFigureOut">
               <a:rPr lang="zh-CN" altLang="en-US" smtClean="0"/>
               <a:t>2024/3/10</a:t>
             </a:fld>
@@ -2386,7 +2386,7 @@
           <p:cNvPr id="6" name="页脚占位符 5">
             <a:extLst>
               <a:ext uri="{FF2B5EF4-FFF2-40B4-BE49-F238E27FC236}">
-                <a16:creationId xmlns:a16="http://schemas.microsoft.com/office/drawing/2014/main" id="{31DAC2D4-84ED-6C21-5054-BC0121074A1C}"/>
+                <a16:creationId xmlns:a16="http://schemas.microsoft.com/office/drawing/2014/main" id="{99E6AF97-BEFF-69E5-9E43-BA384CD8A789}"/>
               </a:ext>
             </a:extLst>
           </p:cNvPr>
@@ -2411,7 +2411,7 @@
           <p:cNvPr id="7" name="灯片编号占位符 6">
             <a:extLst>
               <a:ext uri="{FF2B5EF4-FFF2-40B4-BE49-F238E27FC236}">
-                <a16:creationId xmlns:a16="http://schemas.microsoft.com/office/drawing/2014/main" id="{AC5BA58E-7AB8-2C70-217A-1D486FF948A3}"/>
+                <a16:creationId xmlns:a16="http://schemas.microsoft.com/office/drawing/2014/main" id="{295452D5-F67D-D1CB-E0E1-4975A06C0514}"/>
               </a:ext>
             </a:extLst>
           </p:cNvPr>
@@ -2427,7 +2427,7 @@
           <a:bodyPr/>
           <a:lstStyle/>
           <a:p>
-            <a:fld id="{BF1F11AF-75A8-409B-8F58-F9E39EE3DB42}" type="slidenum">
+            <a:fld id="{AAD8DE7D-4853-4DC7-981F-1BB892E60515}" type="slidenum">
               <a:rPr lang="zh-CN" altLang="en-US" smtClean="0"/>
               <a:t>‹#›</a:t>
             </a:fld>
@@ -2438,7 +2438,7 @@
     </p:spTree>
     <p:extLst>
       <p:ext uri="{BB962C8B-B14F-4D97-AF65-F5344CB8AC3E}">
-        <p14:creationId xmlns:p14="http://schemas.microsoft.com/office/powerpoint/2010/main" val="2647036855"/>
+        <p14:creationId xmlns:p14="http://schemas.microsoft.com/office/powerpoint/2010/main" val="1920524764"/>
       </p:ext>
     </p:extLst>
   </p:cSld>
@@ -2470,7 +2470,7 @@
           <p:cNvPr id="2" name="标题 1">
             <a:extLst>
               <a:ext uri="{FF2B5EF4-FFF2-40B4-BE49-F238E27FC236}">
-                <a16:creationId xmlns:a16="http://schemas.microsoft.com/office/drawing/2014/main" id="{627A26EF-BEE7-C24A-29AB-F0F5F81138FE}"/>
+                <a16:creationId xmlns:a16="http://schemas.microsoft.com/office/drawing/2014/main" id="{2A62F2C9-7C15-167E-C87C-0970D949CC98}"/>
               </a:ext>
             </a:extLst>
           </p:cNvPr>
@@ -2507,7 +2507,7 @@
           <p:cNvPr id="3" name="图片占位符 2">
             <a:extLst>
               <a:ext uri="{FF2B5EF4-FFF2-40B4-BE49-F238E27FC236}">
-                <a16:creationId xmlns:a16="http://schemas.microsoft.com/office/drawing/2014/main" id="{F3E4E9F2-3CDB-B6F6-1E87-2A4B57392930}"/>
+                <a16:creationId xmlns:a16="http://schemas.microsoft.com/office/drawing/2014/main" id="{367E331B-DA67-8FD4-185D-E00EB5EDA415}"/>
               </a:ext>
             </a:extLst>
           </p:cNvPr>
@@ -2574,7 +2574,7 @@
           <p:cNvPr id="4" name="文本占位符 3">
             <a:extLst>
               <a:ext uri="{FF2B5EF4-FFF2-40B4-BE49-F238E27FC236}">
-                <a16:creationId xmlns:a16="http://schemas.microsoft.com/office/drawing/2014/main" id="{93D99590-EEF5-F192-929B-937BAFABA16C}"/>
+                <a16:creationId xmlns:a16="http://schemas.microsoft.com/office/drawing/2014/main" id="{4101D6AB-1E4C-32F4-6E06-2F8FE92D1A92}"/>
               </a:ext>
             </a:extLst>
           </p:cNvPr>
@@ -2645,7 +2645,7 @@
           <p:cNvPr id="5" name="日期占位符 4">
             <a:extLst>
               <a:ext uri="{FF2B5EF4-FFF2-40B4-BE49-F238E27FC236}">
-                <a16:creationId xmlns:a16="http://schemas.microsoft.com/office/drawing/2014/main" id="{93DC81A3-043E-BF5C-F5D5-0EA209838257}"/>
+                <a16:creationId xmlns:a16="http://schemas.microsoft.com/office/drawing/2014/main" id="{EDD54BA2-9968-FE70-C6FA-9F437B0B423D}"/>
               </a:ext>
             </a:extLst>
           </p:cNvPr>
@@ -2661,7 +2661,7 @@
           <a:bodyPr/>
           <a:lstStyle/>
           <a:p>
-            <a:fld id="{2329045D-C513-41FE-BA27-484C007EEABD}" type="datetimeFigureOut">
+            <a:fld id="{80DE1005-10FB-4D25-851F-46C8C1498C94}" type="datetimeFigureOut">
               <a:rPr lang="zh-CN" altLang="en-US" smtClean="0"/>
               <a:t>2024/3/10</a:t>
             </a:fld>
@@ -2674,7 +2674,7 @@
           <p:cNvPr id="6" name="页脚占位符 5">
             <a:extLst>
               <a:ext uri="{FF2B5EF4-FFF2-40B4-BE49-F238E27FC236}">
-                <a16:creationId xmlns:a16="http://schemas.microsoft.com/office/drawing/2014/main" id="{8CDA7D00-2055-4091-4A44-8CA08049801B}"/>
+                <a16:creationId xmlns:a16="http://schemas.microsoft.com/office/drawing/2014/main" id="{CE14CE4F-E599-3A8E-F442-38B3D644E4D6}"/>
               </a:ext>
             </a:extLst>
           </p:cNvPr>
@@ -2699,7 +2699,7 @@
           <p:cNvPr id="7" name="灯片编号占位符 6">
             <a:extLst>
               <a:ext uri="{FF2B5EF4-FFF2-40B4-BE49-F238E27FC236}">
-                <a16:creationId xmlns:a16="http://schemas.microsoft.com/office/drawing/2014/main" id="{4CEF4F86-8B80-4361-2BD7-7F978DFF7720}"/>
+                <a16:creationId xmlns:a16="http://schemas.microsoft.com/office/drawing/2014/main" id="{AAC1AE89-5BC0-B091-0178-616B17E3A15C}"/>
               </a:ext>
             </a:extLst>
           </p:cNvPr>
@@ -2715,7 +2715,7 @@
           <a:bodyPr/>
           <a:lstStyle/>
           <a:p>
-            <a:fld id="{BF1F11AF-75A8-409B-8F58-F9E39EE3DB42}" type="slidenum">
+            <a:fld id="{AAD8DE7D-4853-4DC7-981F-1BB892E60515}" type="slidenum">
               <a:rPr lang="zh-CN" altLang="en-US" smtClean="0"/>
               <a:t>‹#›</a:t>
             </a:fld>
@@ -2726,7 +2726,7 @@
     </p:spTree>
     <p:extLst>
       <p:ext uri="{BB962C8B-B14F-4D97-AF65-F5344CB8AC3E}">
-        <p14:creationId xmlns:p14="http://schemas.microsoft.com/office/powerpoint/2010/main" val="197835578"/>
+        <p14:creationId xmlns:p14="http://schemas.microsoft.com/office/powerpoint/2010/main" val="3601720035"/>
       </p:ext>
     </p:extLst>
   </p:cSld>
@@ -2763,7 +2763,7 @@
           <p:cNvPr id="2" name="标题占位符 1">
             <a:extLst>
               <a:ext uri="{FF2B5EF4-FFF2-40B4-BE49-F238E27FC236}">
-                <a16:creationId xmlns:a16="http://schemas.microsoft.com/office/drawing/2014/main" id="{827466E4-2D5B-1A65-0DAF-D7C2199D810D}"/>
+                <a16:creationId xmlns:a16="http://schemas.microsoft.com/office/drawing/2014/main" id="{493F0251-73AC-E581-10D3-0B58A7CC9D1F}"/>
               </a:ext>
             </a:extLst>
           </p:cNvPr>
@@ -2801,7 +2801,7 @@
           <p:cNvPr id="3" name="文本占位符 2">
             <a:extLst>
               <a:ext uri="{FF2B5EF4-FFF2-40B4-BE49-F238E27FC236}">
-                <a16:creationId xmlns:a16="http://schemas.microsoft.com/office/drawing/2014/main" id="{160110DB-340E-4FF4-72EE-8D109CFABCB3}"/>
+                <a16:creationId xmlns:a16="http://schemas.microsoft.com/office/drawing/2014/main" id="{FB35D3B5-6608-A756-4140-2AFF338F8885}"/>
               </a:ext>
             </a:extLst>
           </p:cNvPr>
@@ -2868,7 +2868,7 @@
           <p:cNvPr id="4" name="日期占位符 3">
             <a:extLst>
               <a:ext uri="{FF2B5EF4-FFF2-40B4-BE49-F238E27FC236}">
-                <a16:creationId xmlns:a16="http://schemas.microsoft.com/office/drawing/2014/main" id="{5DAA2268-3F21-D1B9-C672-750677D1A7A5}"/>
+                <a16:creationId xmlns:a16="http://schemas.microsoft.com/office/drawing/2014/main" id="{B3F91370-B7CB-E6AB-FD93-16DEB4E1D58E}"/>
               </a:ext>
             </a:extLst>
           </p:cNvPr>
@@ -2902,7 +2902,7 @@
             </a:lvl1pPr>
           </a:lstStyle>
           <a:p>
-            <a:fld id="{2329045D-C513-41FE-BA27-484C007EEABD}" type="datetimeFigureOut">
+            <a:fld id="{80DE1005-10FB-4D25-851F-46C8C1498C94}" type="datetimeFigureOut">
               <a:rPr lang="zh-CN" altLang="en-US" smtClean="0"/>
               <a:t>2024/3/10</a:t>
             </a:fld>
@@ -2915,7 +2915,7 @@
           <p:cNvPr id="5" name="页脚占位符 4">
             <a:extLst>
               <a:ext uri="{FF2B5EF4-FFF2-40B4-BE49-F238E27FC236}">
-                <a16:creationId xmlns:a16="http://schemas.microsoft.com/office/drawing/2014/main" id="{B8B6FBA3-0A68-42FA-5724-5CED08CEBB8D}"/>
+                <a16:creationId xmlns:a16="http://schemas.microsoft.com/office/drawing/2014/main" id="{EE34BF90-D7E8-9035-7B7D-AE3FB4101105}"/>
               </a:ext>
             </a:extLst>
           </p:cNvPr>
@@ -2958,7 +2958,7 @@
           <p:cNvPr id="6" name="灯片编号占位符 5">
             <a:extLst>
               <a:ext uri="{FF2B5EF4-FFF2-40B4-BE49-F238E27FC236}">
-                <a16:creationId xmlns:a16="http://schemas.microsoft.com/office/drawing/2014/main" id="{6EADB7AD-A097-C4A0-6463-33241A49BA0E}"/>
+                <a16:creationId xmlns:a16="http://schemas.microsoft.com/office/drawing/2014/main" id="{79E89283-CBCE-BA87-391D-60B69E12E089}"/>
               </a:ext>
             </a:extLst>
           </p:cNvPr>
@@ -2992,7 +2992,7 @@
             </a:lvl1pPr>
           </a:lstStyle>
           <a:p>
-            <a:fld id="{BF1F11AF-75A8-409B-8F58-F9E39EE3DB42}" type="slidenum">
+            <a:fld id="{AAD8DE7D-4853-4DC7-981F-1BB892E60515}" type="slidenum">
               <a:rPr lang="zh-CN" altLang="en-US" smtClean="0"/>
               <a:t>‹#›</a:t>
             </a:fld>
@@ -3003,7 +3003,7 @@
     </p:spTree>
     <p:extLst>
       <p:ext uri="{BB962C8B-B14F-4D97-AF65-F5344CB8AC3E}">
-        <p14:creationId xmlns:p14="http://schemas.microsoft.com/office/powerpoint/2010/main" val="3755119188"/>
+        <p14:creationId xmlns:p14="http://schemas.microsoft.com/office/powerpoint/2010/main" val="3189550633"/>
       </p:ext>
     </p:extLst>
   </p:cSld>
